--- a/2024/Lec/Юнит 15 -  продвинутые методы предсказания вр. рядов!.pptx
+++ b/2024/Lec/Юнит 15 -  продвинутые методы предсказания вр. рядов!.pptx
@@ -5,7 +5,7 @@
     <p:sldMasterId id="2147483648" r:id="rId1"/>
   </p:sldMasterIdLst>
   <p:notesMasterIdLst>
-    <p:notesMasterId r:id="rId34"/>
+    <p:notesMasterId r:id="rId32"/>
   </p:notesMasterIdLst>
   <p:sldIdLst>
     <p:sldId id="256" r:id="rId2"/>
@@ -38,8 +38,6 @@
     <p:sldId id="275" r:id="rId29"/>
     <p:sldId id="287" r:id="rId30"/>
     <p:sldId id="288" r:id="rId31"/>
-    <p:sldId id="302" r:id="rId32"/>
-    <p:sldId id="303" r:id="rId33"/>
   </p:sldIdLst>
   <p:sldSz cx="12192000" cy="6858000"/>
   <p:notesSz cx="6858000" cy="9144000"/>
@@ -228,7 +226,7 @@
           <a:p>
             <a:fld id="{C730246F-5962-E14A-AAF2-985CCFDAC345}" type="datetimeFigureOut">
               <a:rPr lang="ru-RU" smtClean="0"/>
-              <a:t>12.10.2023</a:t>
+              <a:t>06.03.2024</a:t>
             </a:fld>
             <a:endParaRPr lang="ru-RU"/>
           </a:p>
@@ -583,174 +581,6 @@
 </p:notes>
 </file>
 
-<file path=ppt/notesSlides/notesSlide2.xml><?xml version="1.0" encoding="utf-8"?>
-<p:notes xmlns:a="http://schemas.openxmlformats.org/drawingml/2006/main" xmlns:r="http://schemas.openxmlformats.org/officeDocument/2006/relationships" xmlns:p="http://schemas.openxmlformats.org/presentationml/2006/main">
-  <p:cSld>
-    <p:spTree>
-      <p:nvGrpSpPr>
-        <p:cNvPr id="1" name=""/>
-        <p:cNvGrpSpPr/>
-        <p:nvPr/>
-      </p:nvGrpSpPr>
-      <p:grpSpPr>
-        <a:xfrm>
-          <a:off x="0" y="0"/>
-          <a:ext cx="0" cy="0"/>
-          <a:chOff x="0" y="0"/>
-          <a:chExt cx="0" cy="0"/>
-        </a:xfrm>
-      </p:grpSpPr>
-      <p:sp>
-        <p:nvSpPr>
-          <p:cNvPr id="2" name="Образ слайда 1"/>
-          <p:cNvSpPr>
-            <a:spLocks noGrp="1" noRot="1" noChangeAspect="1"/>
-          </p:cNvSpPr>
-          <p:nvPr>
-            <p:ph type="sldImg"/>
-          </p:nvPr>
-        </p:nvSpPr>
-        <p:spPr/>
-      </p:sp>
-      <p:sp>
-        <p:nvSpPr>
-          <p:cNvPr id="3" name="Заметки 2"/>
-          <p:cNvSpPr>
-            <a:spLocks noGrp="1"/>
-          </p:cNvSpPr>
-          <p:nvPr>
-            <p:ph type="body" idx="1"/>
-          </p:nvPr>
-        </p:nvSpPr>
-        <p:spPr/>
-        <p:txBody>
-          <a:bodyPr/>
-          <a:lstStyle/>
-          <a:p>
-            <a:endParaRPr lang="ru-RU" dirty="0"/>
-          </a:p>
-        </p:txBody>
-      </p:sp>
-      <p:sp>
-        <p:nvSpPr>
-          <p:cNvPr id="4" name="Номер слайда 3"/>
-          <p:cNvSpPr>
-            <a:spLocks noGrp="1"/>
-          </p:cNvSpPr>
-          <p:nvPr>
-            <p:ph type="sldNum" sz="quarter" idx="5"/>
-          </p:nvPr>
-        </p:nvSpPr>
-        <p:spPr/>
-        <p:txBody>
-          <a:bodyPr/>
-          <a:lstStyle/>
-          <a:p>
-            <a:fld id="{1EA4F326-5F8D-6A4F-9B75-A3402553DF5F}" type="slidenum">
-              <a:rPr lang="ru-RU" smtClean="0"/>
-              <a:t>31</a:t>
-            </a:fld>
-            <a:endParaRPr lang="ru-RU"/>
-          </a:p>
-        </p:txBody>
-      </p:sp>
-    </p:spTree>
-    <p:extLst>
-      <p:ext uri="{BB962C8B-B14F-4D97-AF65-F5344CB8AC3E}">
-        <p14:creationId xmlns:p14="http://schemas.microsoft.com/office/powerpoint/2010/main" val="905528008"/>
-      </p:ext>
-    </p:extLst>
-  </p:cSld>
-  <p:clrMapOvr>
-    <a:masterClrMapping/>
-  </p:clrMapOvr>
-</p:notes>
-</file>
-
-<file path=ppt/notesSlides/notesSlide3.xml><?xml version="1.0" encoding="utf-8"?>
-<p:notes xmlns:a="http://schemas.openxmlformats.org/drawingml/2006/main" xmlns:r="http://schemas.openxmlformats.org/officeDocument/2006/relationships" xmlns:p="http://schemas.openxmlformats.org/presentationml/2006/main">
-  <p:cSld>
-    <p:spTree>
-      <p:nvGrpSpPr>
-        <p:cNvPr id="1" name=""/>
-        <p:cNvGrpSpPr/>
-        <p:nvPr/>
-      </p:nvGrpSpPr>
-      <p:grpSpPr>
-        <a:xfrm>
-          <a:off x="0" y="0"/>
-          <a:ext cx="0" cy="0"/>
-          <a:chOff x="0" y="0"/>
-          <a:chExt cx="0" cy="0"/>
-        </a:xfrm>
-      </p:grpSpPr>
-      <p:sp>
-        <p:nvSpPr>
-          <p:cNvPr id="2" name="Образ слайда 1"/>
-          <p:cNvSpPr>
-            <a:spLocks noGrp="1" noRot="1" noChangeAspect="1"/>
-          </p:cNvSpPr>
-          <p:nvPr>
-            <p:ph type="sldImg"/>
-          </p:nvPr>
-        </p:nvSpPr>
-        <p:spPr/>
-      </p:sp>
-      <p:sp>
-        <p:nvSpPr>
-          <p:cNvPr id="3" name="Заметки 2"/>
-          <p:cNvSpPr>
-            <a:spLocks noGrp="1"/>
-          </p:cNvSpPr>
-          <p:nvPr>
-            <p:ph type="body" idx="1"/>
-          </p:nvPr>
-        </p:nvSpPr>
-        <p:spPr/>
-        <p:txBody>
-          <a:bodyPr/>
-          <a:lstStyle/>
-          <a:p>
-            <a:endParaRPr lang="ru-RU" dirty="0"/>
-          </a:p>
-        </p:txBody>
-      </p:sp>
-      <p:sp>
-        <p:nvSpPr>
-          <p:cNvPr id="4" name="Номер слайда 3"/>
-          <p:cNvSpPr>
-            <a:spLocks noGrp="1"/>
-          </p:cNvSpPr>
-          <p:nvPr>
-            <p:ph type="sldNum" sz="quarter" idx="5"/>
-          </p:nvPr>
-        </p:nvSpPr>
-        <p:spPr/>
-        <p:txBody>
-          <a:bodyPr/>
-          <a:lstStyle/>
-          <a:p>
-            <a:fld id="{1EA4F326-5F8D-6A4F-9B75-A3402553DF5F}" type="slidenum">
-              <a:rPr lang="ru-RU" smtClean="0"/>
-              <a:t>32</a:t>
-            </a:fld>
-            <a:endParaRPr lang="ru-RU"/>
-          </a:p>
-        </p:txBody>
-      </p:sp>
-    </p:spTree>
-    <p:extLst>
-      <p:ext uri="{BB962C8B-B14F-4D97-AF65-F5344CB8AC3E}">
-        <p14:creationId xmlns:p14="http://schemas.microsoft.com/office/powerpoint/2010/main" val="351292352"/>
-      </p:ext>
-    </p:extLst>
-  </p:cSld>
-  <p:clrMapOvr>
-    <a:masterClrMapping/>
-  </p:clrMapOvr>
-</p:notes>
-</file>
-
 <file path=ppt/slideLayouts/slideLayout1.xml><?xml version="1.0" encoding="utf-8"?>
 <p:sldLayout xmlns:a="http://schemas.openxmlformats.org/drawingml/2006/main" xmlns:r="http://schemas.openxmlformats.org/officeDocument/2006/relationships" xmlns:p="http://schemas.openxmlformats.org/presentationml/2006/main" type="title" preserve="1">
   <p:cSld name="Титульный слайд">
@@ -900,7 +730,7 @@
           <a:p>
             <a:fld id="{44343DC6-30E4-4569-999A-C703F926F2AF}" type="datetimeFigureOut">
               <a:rPr lang="en-US" smtClean="0"/>
-              <a:t>10/12/2023</a:t>
+              <a:t>3/6/2024</a:t>
             </a:fld>
             <a:endParaRPr lang="en-US"/>
           </a:p>
@@ -1100,7 +930,7 @@
           <a:p>
             <a:fld id="{44343DC6-30E4-4569-999A-C703F926F2AF}" type="datetimeFigureOut">
               <a:rPr lang="en-US" smtClean="0"/>
-              <a:t>10/12/2023</a:t>
+              <a:t>3/6/2024</a:t>
             </a:fld>
             <a:endParaRPr lang="en-US"/>
           </a:p>
@@ -1310,7 +1140,7 @@
           <a:p>
             <a:fld id="{44343DC6-30E4-4569-999A-C703F926F2AF}" type="datetimeFigureOut">
               <a:rPr lang="en-US" smtClean="0"/>
-              <a:t>10/12/2023</a:t>
+              <a:t>3/6/2024</a:t>
             </a:fld>
             <a:endParaRPr lang="en-US"/>
           </a:p>
@@ -1510,7 +1340,7 @@
           <a:p>
             <a:fld id="{44343DC6-30E4-4569-999A-C703F926F2AF}" type="datetimeFigureOut">
               <a:rPr lang="en-US" smtClean="0"/>
-              <a:t>10/12/2023</a:t>
+              <a:t>3/6/2024</a:t>
             </a:fld>
             <a:endParaRPr lang="en-US"/>
           </a:p>
@@ -1786,7 +1616,7 @@
           <a:p>
             <a:fld id="{44343DC6-30E4-4569-999A-C703F926F2AF}" type="datetimeFigureOut">
               <a:rPr lang="en-US" smtClean="0"/>
-              <a:t>10/12/2023</a:t>
+              <a:t>3/6/2024</a:t>
             </a:fld>
             <a:endParaRPr lang="en-US"/>
           </a:p>
@@ -2054,7 +1884,7 @@
           <a:p>
             <a:fld id="{44343DC6-30E4-4569-999A-C703F926F2AF}" type="datetimeFigureOut">
               <a:rPr lang="en-US" smtClean="0"/>
-              <a:t>10/12/2023</a:t>
+              <a:t>3/6/2024</a:t>
             </a:fld>
             <a:endParaRPr lang="en-US"/>
           </a:p>
@@ -2469,7 +2299,7 @@
           <a:p>
             <a:fld id="{44343DC6-30E4-4569-999A-C703F926F2AF}" type="datetimeFigureOut">
               <a:rPr lang="en-US" smtClean="0"/>
-              <a:t>10/12/2023</a:t>
+              <a:t>3/6/2024</a:t>
             </a:fld>
             <a:endParaRPr lang="en-US"/>
           </a:p>
@@ -2611,7 +2441,7 @@
           <a:p>
             <a:fld id="{44343DC6-30E4-4569-999A-C703F926F2AF}" type="datetimeFigureOut">
               <a:rPr lang="en-US" smtClean="0"/>
-              <a:t>10/12/2023</a:t>
+              <a:t>3/6/2024</a:t>
             </a:fld>
             <a:endParaRPr lang="en-US"/>
           </a:p>
@@ -2724,7 +2554,7 @@
           <a:p>
             <a:fld id="{44343DC6-30E4-4569-999A-C703F926F2AF}" type="datetimeFigureOut">
               <a:rPr lang="en-US" smtClean="0"/>
-              <a:t>10/12/2023</a:t>
+              <a:t>3/6/2024</a:t>
             </a:fld>
             <a:endParaRPr lang="en-US"/>
           </a:p>
@@ -3037,7 +2867,7 @@
           <a:p>
             <a:fld id="{44343DC6-30E4-4569-999A-C703F926F2AF}" type="datetimeFigureOut">
               <a:rPr lang="en-US" smtClean="0"/>
-              <a:t>10/12/2023</a:t>
+              <a:t>3/6/2024</a:t>
             </a:fld>
             <a:endParaRPr lang="en-US"/>
           </a:p>
@@ -3326,7 +3156,7 @@
           <a:p>
             <a:fld id="{44343DC6-30E4-4569-999A-C703F926F2AF}" type="datetimeFigureOut">
               <a:rPr lang="en-US" smtClean="0"/>
-              <a:t>10/12/2023</a:t>
+              <a:t>3/6/2024</a:t>
             </a:fld>
             <a:endParaRPr lang="en-US"/>
           </a:p>
@@ -3569,7 +3399,7 @@
           <a:p>
             <a:fld id="{44343DC6-30E4-4569-999A-C703F926F2AF}" type="datetimeFigureOut">
               <a:rPr lang="en-US" smtClean="0"/>
-              <a:t>10/12/2023</a:t>
+              <a:t>3/6/2024</a:t>
             </a:fld>
             <a:endParaRPr lang="en-US"/>
           </a:p>
@@ -6106,6 +5936,13 @@
   <p:clrMapOvr>
     <a:masterClrMapping/>
   </p:clrMapOvr>
+  <p:timing>
+    <p:tnLst>
+      <p:par>
+        <p:cTn id="1" dur="indefinite" restart="never" nodeType="tmRoot"/>
+      </p:par>
+    </p:tnLst>
+  </p:timing>
 </p:sld>
 </file>
 
@@ -6674,6 +6511,13 @@
   <p:clrMapOvr>
     <a:masterClrMapping/>
   </p:clrMapOvr>
+  <p:timing>
+    <p:tnLst>
+      <p:par>
+        <p:cTn id="1" dur="indefinite" restart="never" nodeType="tmRoot"/>
+      </p:par>
+    </p:tnLst>
+  </p:timing>
 </p:sld>
 </file>
 
@@ -7490,6 +7334,13 @@
   <p:clrMapOvr>
     <a:masterClrMapping/>
   </p:clrMapOvr>
+  <p:timing>
+    <p:tnLst>
+      <p:par>
+        <p:cTn id="1" dur="indefinite" restart="never" nodeType="tmRoot"/>
+      </p:par>
+    </p:tnLst>
+  </p:timing>
 </p:sld>
 </file>
 
@@ -7574,6 +7425,13 @@
   <p:clrMapOvr>
     <a:masterClrMapping/>
   </p:clrMapOvr>
+  <p:timing>
+    <p:tnLst>
+      <p:par>
+        <p:cTn id="1" dur="indefinite" restart="never" nodeType="tmRoot"/>
+      </p:par>
+    </p:tnLst>
+  </p:timing>
 </p:sld>
 </file>
 
@@ -7712,6 +7570,13 @@
   <p:clrMapOvr>
     <a:masterClrMapping/>
   </p:clrMapOvr>
+  <p:timing>
+    <p:tnLst>
+      <p:par>
+        <p:cTn id="1" dur="indefinite" restart="never" nodeType="tmRoot"/>
+      </p:par>
+    </p:tnLst>
+  </p:timing>
 </p:sld>
 </file>
 
@@ -7944,6 +7809,13 @@
   <p:clrMapOvr>
     <a:masterClrMapping/>
   </p:clrMapOvr>
+  <p:timing>
+    <p:tnLst>
+      <p:par>
+        <p:cTn id="1" dur="indefinite" restart="never" nodeType="tmRoot"/>
+      </p:par>
+    </p:tnLst>
+  </p:timing>
 </p:sld>
 </file>
 
@@ -8257,6 +8129,13 @@
   <p:clrMapOvr>
     <a:masterClrMapping/>
   </p:clrMapOvr>
+  <p:timing>
+    <p:tnLst>
+      <p:par>
+        <p:cTn id="1" dur="indefinite" restart="never" nodeType="tmRoot"/>
+      </p:par>
+    </p:tnLst>
+  </p:timing>
 </p:sld>
 </file>
 
@@ -8652,6 +8531,13 @@
   <p:clrMapOvr>
     <a:masterClrMapping/>
   </p:clrMapOvr>
+  <p:timing>
+    <p:tnLst>
+      <p:par>
+        <p:cTn id="1" dur="indefinite" restart="never" nodeType="tmRoot"/>
+      </p:par>
+    </p:tnLst>
+  </p:timing>
 </p:sld>
 </file>
 
@@ -8807,6 +8693,13 @@
   <p:clrMapOvr>
     <a:masterClrMapping/>
   </p:clrMapOvr>
+  <p:timing>
+    <p:tnLst>
+      <p:par>
+        <p:cTn id="1" dur="indefinite" restart="never" nodeType="tmRoot"/>
+      </p:par>
+    </p:tnLst>
+  </p:timing>
 </p:sld>
 </file>
 
@@ -9083,1166 +8976,6 @@
     <p:extLst>
       <p:ext uri="{BB962C8B-B14F-4D97-AF65-F5344CB8AC3E}">
         <p14:creationId xmlns:p14="http://schemas.microsoft.com/office/powerpoint/2010/main" val="4163246322"/>
-      </p:ext>
-    </p:extLst>
-  </p:cSld>
-  <p:clrMapOvr>
-    <a:masterClrMapping/>
-  </p:clrMapOvr>
-</p:sld>
-</file>
-
-<file path=ppt/slides/slide31.xml><?xml version="1.0" encoding="utf-8"?>
-<p:sld xmlns:a="http://schemas.openxmlformats.org/drawingml/2006/main" xmlns:r="http://schemas.openxmlformats.org/officeDocument/2006/relationships" xmlns:p="http://schemas.openxmlformats.org/presentationml/2006/main">
-  <p:cSld>
-    <p:spTree>
-      <p:nvGrpSpPr>
-        <p:cNvPr id="1" name=""/>
-        <p:cNvGrpSpPr/>
-        <p:nvPr/>
-      </p:nvGrpSpPr>
-      <p:grpSpPr>
-        <a:xfrm>
-          <a:off x="0" y="0"/>
-          <a:ext cx="0" cy="0"/>
-          <a:chOff x="0" y="0"/>
-          <a:chExt cx="0" cy="0"/>
-        </a:xfrm>
-      </p:grpSpPr>
-      <p:sp>
-        <p:nvSpPr>
-          <p:cNvPr id="2" name="Заголовок 1">
-            <a:extLst>
-              <a:ext uri="{FF2B5EF4-FFF2-40B4-BE49-F238E27FC236}">
-                <a16:creationId xmlns:a16="http://schemas.microsoft.com/office/drawing/2014/main" id="{E5E18C16-493F-C0F6-1226-B953C44BB2B9}"/>
-              </a:ext>
-            </a:extLst>
-          </p:cNvPr>
-          <p:cNvSpPr>
-            <a:spLocks noGrp="1"/>
-          </p:cNvSpPr>
-          <p:nvPr>
-            <p:ph type="title"/>
-          </p:nvPr>
-        </p:nvSpPr>
-        <p:spPr>
-          <a:xfrm>
-            <a:off x="425824" y="0"/>
-            <a:ext cx="10515600" cy="1325563"/>
-          </a:xfrm>
-        </p:spPr>
-        <p:txBody>
-          <a:bodyPr>
-            <a:normAutofit/>
-          </a:bodyPr>
-          <a:lstStyle/>
-          <a:p>
-            <a:r>
-              <a:rPr lang="ru-RU" sz="4800" b="1" dirty="0"/>
-              <a:t>Вопросы Базовые 1й верно</a:t>
-            </a:r>
-          </a:p>
-        </p:txBody>
-      </p:sp>
-      <mc:AlternateContent xmlns:mc="http://schemas.openxmlformats.org/markup-compatibility/2006">
-        <mc:Choice xmlns:a14="http://schemas.microsoft.com/office/drawing/2010/main" Requires="a14">
-          <p:sp>
-            <p:nvSpPr>
-              <p:cNvPr id="3" name="Объект 2">
-                <a:extLst>
-                  <a:ext uri="{FF2B5EF4-FFF2-40B4-BE49-F238E27FC236}">
-                    <a16:creationId xmlns:a16="http://schemas.microsoft.com/office/drawing/2014/main" id="{BE421393-E6D9-4C04-F323-217F01E33B93}"/>
-                  </a:ext>
-                </a:extLst>
-              </p:cNvPr>
-              <p:cNvSpPr>
-                <a:spLocks noGrp="1"/>
-              </p:cNvSpPr>
-              <p:nvPr>
-                <p:ph idx="1"/>
-              </p:nvPr>
-            </p:nvSpPr>
-            <p:spPr>
-              <a:xfrm>
-                <a:off x="506506" y="1129096"/>
-                <a:ext cx="10515600" cy="5135887"/>
-              </a:xfrm>
-            </p:spPr>
-            <p:txBody>
-              <a:bodyPr>
-                <a:normAutofit lnSpcReduction="10000"/>
-              </a:bodyPr>
-              <a:lstStyle/>
-              <a:p>
-                <a:r>
-                  <a:rPr lang="ru-RU" sz="2300" b="1" dirty="0" smtClean="0">
-                    <a:ea typeface="Calibri" panose="020F0502020204030204" pitchFamily="34" charset="0"/>
-                    <a:cs typeface="Times New Roman" panose="02020603050405020304" pitchFamily="18" charset="0"/>
-                  </a:rPr>
-                  <a:t>Выберите причину использования комбинированных методов </a:t>
-                </a:r>
-                <a:r>
-                  <a:rPr lang="ru-RU" sz="2300" b="1" dirty="0" smtClean="0">
-                    <a:ea typeface="Calibri" panose="020F0502020204030204" pitchFamily="34" charset="0"/>
-                    <a:cs typeface="Times New Roman" panose="02020603050405020304" pitchFamily="18" charset="0"/>
-                  </a:rPr>
-                  <a:t>предсказаний, например конвейерных</a:t>
-                </a:r>
-                <a:endParaRPr lang="ru-RU" sz="2300" dirty="0">
-                  <a:ea typeface="Calibri" panose="020F0502020204030204" pitchFamily="34" charset="0"/>
-                  <a:cs typeface="Times New Roman" panose="02020603050405020304" pitchFamily="18" charset="0"/>
-                </a:endParaRPr>
-              </a:p>
-              <a:p>
-                <a:pPr marL="1246188" lvl="8" indent="-508000">
-                  <a:buFont typeface="+mj-lt"/>
-                  <a:buAutoNum type="arabicPeriod"/>
-                </a:pPr>
-                <a:r>
-                  <a:rPr lang="ru-RU" sz="2200" b="1" dirty="0">
-                    <a:ea typeface="Calibri" panose="020F0502020204030204" pitchFamily="34" charset="0"/>
-                    <a:cs typeface="Times New Roman" panose="02020603050405020304" pitchFamily="18" charset="0"/>
-                  </a:rPr>
-                  <a:t>П</a:t>
-                </a:r>
-                <a:r>
-                  <a:rPr lang="ru-RU" sz="2200" b="1" dirty="0" smtClean="0">
-                    <a:ea typeface="Calibri" panose="020F0502020204030204" pitchFamily="34" charset="0"/>
-                    <a:cs typeface="Times New Roman" panose="02020603050405020304" pitchFamily="18" charset="0"/>
-                  </a:rPr>
-                  <a:t>ростое предсказание оставляет значительную необъясненную часть</a:t>
-                </a:r>
-              </a:p>
-              <a:p>
-                <a:pPr marL="1246188" lvl="8" indent="-508000">
-                  <a:buFont typeface="+mj-lt"/>
-                  <a:buAutoNum type="arabicPeriod"/>
-                </a:pPr>
-                <a:r>
-                  <a:rPr lang="ru-RU" sz="2200" dirty="0" smtClean="0">
-                    <a:ea typeface="Calibri" panose="020F0502020204030204" pitchFamily="34" charset="0"/>
-                    <a:cs typeface="Times New Roman" panose="02020603050405020304" pitchFamily="18" charset="0"/>
-                  </a:rPr>
-                  <a:t>ВР содержит как тренд, так и сезонность</a:t>
-                </a:r>
-              </a:p>
-              <a:p>
-                <a:pPr marL="1246188" lvl="8" indent="-508000">
-                  <a:buFont typeface="+mj-lt"/>
-                  <a:buAutoNum type="arabicPeriod"/>
-                </a:pPr>
-                <a:r>
-                  <a:rPr lang="ru-RU" sz="2200" dirty="0">
-                    <a:ea typeface="Calibri" panose="020F0502020204030204" pitchFamily="34" charset="0"/>
-                    <a:cs typeface="Times New Roman" panose="02020603050405020304" pitchFamily="18" charset="0"/>
-                  </a:rPr>
-                  <a:t>Простое предсказание</a:t>
-                </a:r>
-                <a:r>
-                  <a:rPr lang="ru-RU" sz="2200" dirty="0" smtClean="0">
-                    <a:ea typeface="Calibri" panose="020F0502020204030204" pitchFamily="34" charset="0"/>
-                    <a:cs typeface="Times New Roman" panose="02020603050405020304" pitchFamily="18" charset="0"/>
-                  </a:rPr>
-                  <a:t> оставляет значительную дисперсию Шума</a:t>
-                </a:r>
-              </a:p>
-              <a:p>
-                <a:pPr marL="1246188" lvl="8" indent="-508000">
-                  <a:buFont typeface="+mj-lt"/>
-                  <a:buAutoNum type="arabicPeriod"/>
-                </a:pPr>
-                <a:r>
-                  <a:rPr lang="ru-RU" sz="2200" dirty="0">
-                    <a:ea typeface="Calibri" panose="020F0502020204030204" pitchFamily="34" charset="0"/>
-                    <a:cs typeface="Times New Roman" panose="02020603050405020304" pitchFamily="18" charset="0"/>
-                  </a:rPr>
-                  <a:t>В</a:t>
-                </a:r>
-                <a:r>
-                  <a:rPr lang="ru-RU" sz="2200" dirty="0" smtClean="0">
-                    <a:ea typeface="Calibri" panose="020F0502020204030204" pitchFamily="34" charset="0"/>
-                    <a:cs typeface="Times New Roman" panose="02020603050405020304" pitchFamily="18" charset="0"/>
-                  </a:rPr>
-                  <a:t>Р содежит гетеросекдостичность </a:t>
-                </a:r>
-                <a:r>
-                  <a:rPr lang="ru-RU" sz="2200" dirty="0">
-                    <a:ea typeface="Calibri" panose="020F0502020204030204" pitchFamily="34" charset="0"/>
-                    <a:cs typeface="Times New Roman" panose="02020603050405020304" pitchFamily="18" charset="0"/>
-                  </a:rPr>
-                  <a:t> </a:t>
-                </a:r>
-                <a14:m>
-                  <m:oMath xmlns:m="http://schemas.openxmlformats.org/officeDocument/2006/math">
-                    <m:r>
-                      <a:rPr lang="ru-RU" sz="1500" b="0" i="1" smtClean="0">
-                        <a:latin typeface="Cambria Math" panose="02040503050406030204" pitchFamily="18" charset="0"/>
-                      </a:rPr>
-                      <m:t> </m:t>
-                    </m:r>
-                  </m:oMath>
-                </a14:m>
-                <a:endParaRPr lang="ru-RU" sz="1500" b="0" dirty="0" smtClean="0"/>
-              </a:p>
-              <a:p>
-                <a:r>
-                  <a:rPr lang="ru-RU" sz="2400" b="1" dirty="0" smtClean="0"/>
-                  <a:t>Выберите правильную концепцию </a:t>
-                </a:r>
-                <a:r>
-                  <a:rPr lang="en-US" sz="2400" b="1" dirty="0" smtClean="0"/>
-                  <a:t>BATS</a:t>
-                </a:r>
-                <a:r>
-                  <a:rPr lang="ru-RU" sz="2400" b="1" dirty="0" smtClean="0"/>
-                  <a:t> </a:t>
-                </a:r>
-                <a:endParaRPr lang="ru-RU" sz="2300" b="1" dirty="0">
-                  <a:ea typeface="Calibri" panose="020F0502020204030204" pitchFamily="34" charset="0"/>
-                  <a:cs typeface="Times New Roman" panose="02020603050405020304" pitchFamily="18" charset="0"/>
-                </a:endParaRPr>
-              </a:p>
-              <a:p>
-                <a:pPr marL="971550" lvl="1" indent="-514350">
-                  <a:buFont typeface="+mj-lt"/>
-                  <a:buAutoNum type="arabicPeriod"/>
-                </a:pPr>
-                <a:r>
-                  <a:rPr lang="en-US" sz="1600" b="1" dirty="0" smtClean="0"/>
-                  <a:t>Box-Cox </a:t>
-                </a:r>
-                <a:r>
-                  <a:rPr lang="en-US" sz="1600" b="1" dirty="0"/>
-                  <a:t>transformation, ARMA errors, Trend, and Seasonal </a:t>
-                </a:r>
-                <a:r>
-                  <a:rPr lang="en-US" sz="1600" b="1" dirty="0" smtClean="0"/>
-                  <a:t>components</a:t>
-                </a:r>
-              </a:p>
-              <a:p>
-                <a:pPr marL="971550" lvl="1" indent="-514350">
-                  <a:buFont typeface="+mj-lt"/>
-                  <a:buAutoNum type="arabicPeriod"/>
-                </a:pPr>
-                <a:r>
-                  <a:rPr lang="en-US" sz="2000" dirty="0" smtClean="0"/>
-                  <a:t>Box-window</a:t>
-                </a:r>
-                <a:r>
-                  <a:rPr lang="en-US" sz="2000" dirty="0"/>
-                  <a:t> </a:t>
-                </a:r>
-                <a:r>
-                  <a:rPr lang="en-US" sz="2000" dirty="0" smtClean="0"/>
-                  <a:t>regression, ARIMA  </a:t>
-                </a:r>
-                <a:r>
-                  <a:rPr lang="en-US" sz="2000" dirty="0"/>
-                  <a:t>errors, Trend, and Seasonal components</a:t>
-                </a:r>
-              </a:p>
-              <a:p>
-                <a:pPr marL="971550" lvl="1" indent="-514350">
-                  <a:buFont typeface="+mj-lt"/>
-                  <a:buAutoNum type="arabicPeriod"/>
-                </a:pPr>
-                <a:r>
-                  <a:rPr lang="en-US" sz="1800" dirty="0"/>
-                  <a:t>Box-window regression, ARIMA  </a:t>
-                </a:r>
-                <a:r>
-                  <a:rPr lang="en-US" sz="1800" dirty="0" smtClean="0"/>
-                  <a:t>errors</a:t>
-                </a:r>
-                <a:r>
-                  <a:rPr lang="en-US" sz="1800" dirty="0"/>
-                  <a:t> transformation</a:t>
-                </a:r>
-                <a:r>
-                  <a:rPr lang="en-US" sz="1800" dirty="0" smtClean="0"/>
-                  <a:t>, </a:t>
-                </a:r>
-                <a:r>
-                  <a:rPr lang="en-US" sz="1800" dirty="0"/>
-                  <a:t>and Seasonal components</a:t>
-                </a:r>
-              </a:p>
-              <a:p>
-                <a:pPr marL="971550" lvl="1" indent="-514350">
-                  <a:buFont typeface="+mj-lt"/>
-                  <a:buAutoNum type="arabicPeriod"/>
-                </a:pPr>
-                <a:r>
-                  <a:rPr lang="en-US" sz="2000" dirty="0"/>
-                  <a:t>Box-Cox transformation, ARMA errors, Trend, and </a:t>
-                </a:r>
-                <a:r>
-                  <a:rPr lang="en-US" sz="2000" dirty="0" smtClean="0"/>
-                  <a:t>simple exponential smoothing</a:t>
-                </a:r>
-                <a:endParaRPr lang="en-US" sz="2000" dirty="0"/>
-              </a:p>
-              <a:p>
-                <a:r>
-                  <a:rPr lang="ru-RU" sz="2400" b="1" dirty="0" smtClean="0"/>
-                  <a:t>Выберете причину использования </a:t>
-                </a:r>
-                <a:r>
-                  <a:rPr lang="en-US" sz="2400" b="1" dirty="0" smtClean="0"/>
-                  <a:t>ARCH </a:t>
-                </a:r>
-                <a:r>
-                  <a:rPr lang="ru-RU" sz="2400" b="1" dirty="0" smtClean="0"/>
-                  <a:t>моделей</a:t>
-                </a:r>
-                <a:endParaRPr lang="ru-RU" sz="2300" dirty="0">
-                  <a:ea typeface="Calibri" panose="020F0502020204030204" pitchFamily="34" charset="0"/>
-                  <a:cs typeface="Times New Roman" panose="02020603050405020304" pitchFamily="18" charset="0"/>
-                </a:endParaRPr>
-              </a:p>
-              <a:p>
-                <a:pPr marL="971550" lvl="1" indent="-514350">
-                  <a:buFont typeface="+mj-lt"/>
-                  <a:buAutoNum type="arabicPeriod"/>
-                </a:pPr>
-                <a:r>
-                  <a:rPr lang="ru-RU" sz="1600" b="1" dirty="0"/>
-                  <a:t>моделирование данных </a:t>
-                </a:r>
-                <a:r>
-                  <a:rPr lang="ru-RU" sz="1600" b="1" dirty="0" smtClean="0"/>
-                  <a:t>с учетом их </a:t>
-                </a:r>
-                <a:r>
-                  <a:rPr lang="ru-RU" sz="1600" b="1" dirty="0" err="1"/>
-                  <a:t>гетероскедастичности</a:t>
-                </a:r>
-                <a:endParaRPr lang="ru-RU" sz="1600" b="1" dirty="0"/>
-              </a:p>
-              <a:p>
-                <a:pPr marL="971550" lvl="1" indent="-514350">
-                  <a:buFont typeface="+mj-lt"/>
-                  <a:buAutoNum type="arabicPeriod"/>
-                </a:pPr>
-                <a:r>
-                  <a:rPr lang="ru-RU" sz="2000" b="0" dirty="0" smtClean="0"/>
-                  <a:t>Моделирование отдельно тренда данных и остатка в виде </a:t>
-                </a:r>
-                <a:r>
-                  <a:rPr lang="en-US" sz="2000" b="0" dirty="0" smtClean="0"/>
-                  <a:t>ARIMA </a:t>
-                </a:r>
-                <a:r>
-                  <a:rPr lang="ru-RU" sz="2000" dirty="0"/>
-                  <a:t>м</a:t>
-                </a:r>
-                <a:r>
-                  <a:rPr lang="ru-RU" sz="2000" dirty="0" smtClean="0"/>
-                  <a:t>одели</a:t>
-                </a:r>
-                <a14:m>
-                  <m:oMath xmlns:m="http://schemas.openxmlformats.org/officeDocument/2006/math">
-                    <m:r>
-                      <a:rPr lang="ru-RU" sz="2000" b="0" i="1" smtClean="0">
-                        <a:latin typeface="Cambria Math" panose="02040503050406030204" pitchFamily="18" charset="0"/>
-                      </a:rPr>
-                      <m:t> </m:t>
-                    </m:r>
-                  </m:oMath>
-                </a14:m>
-                <a:endParaRPr lang="ru-RU" sz="1900" dirty="0" smtClean="0">
-                  <a:ea typeface="Calibri" panose="020F0502020204030204" pitchFamily="34" charset="0"/>
-                  <a:cs typeface="Times New Roman" panose="02020603050405020304" pitchFamily="18" charset="0"/>
-                </a:endParaRPr>
-              </a:p>
-              <a:p>
-                <a:pPr marL="971550" lvl="1" indent="-514350">
-                  <a:buFont typeface="+mj-lt"/>
-                  <a:buAutoNum type="arabicPeriod"/>
-                </a:pPr>
-                <a:r>
-                  <a:rPr lang="ru-RU" sz="1900" dirty="0" smtClean="0">
-                    <a:ea typeface="Calibri" panose="020F0502020204030204" pitchFamily="34" charset="0"/>
-                    <a:cs typeface="Times New Roman" panose="02020603050405020304" pitchFamily="18" charset="0"/>
-                  </a:rPr>
-                  <a:t>Моделирование </a:t>
-                </a:r>
-                <a:r>
-                  <a:rPr lang="ru-RU" sz="2000" dirty="0"/>
-                  <a:t>данных </a:t>
-                </a:r>
-                <a:r>
-                  <a:rPr lang="ru-RU" sz="2000" dirty="0" smtClean="0"/>
-                  <a:t>с учетом </a:t>
-                </a:r>
-                <a:r>
-                  <a:rPr lang="ru-RU" sz="2000" dirty="0" err="1" smtClean="0"/>
-                  <a:t>нестационарности</a:t>
-                </a:r>
-                <a:r>
-                  <a:rPr lang="ru-RU" sz="2000" dirty="0" smtClean="0"/>
-                  <a:t> тренда</a:t>
-                </a:r>
-              </a:p>
-              <a:p>
-                <a:pPr marL="971550" lvl="1" indent="-514350">
-                  <a:buFont typeface="+mj-lt"/>
-                  <a:buAutoNum type="arabicPeriod"/>
-                </a:pPr>
-                <a:r>
-                  <a:rPr lang="ru-RU" sz="1800" dirty="0">
-                    <a:ea typeface="Calibri" panose="020F0502020204030204" pitchFamily="34" charset="0"/>
-                    <a:cs typeface="Times New Roman" panose="02020603050405020304" pitchFamily="18" charset="0"/>
-                  </a:rPr>
-                  <a:t>Моделирование </a:t>
-                </a:r>
-                <a:r>
-                  <a:rPr lang="ru-RU" sz="1800" dirty="0"/>
-                  <a:t>данных с учетом </a:t>
-                </a:r>
-                <a:r>
-                  <a:rPr lang="ru-RU" sz="1800" dirty="0" err="1"/>
-                  <a:t>нестационарности</a:t>
-                </a:r>
-                <a:r>
-                  <a:rPr lang="ru-RU" sz="1800" dirty="0"/>
-                  <a:t> </a:t>
-                </a:r>
-                <a:r>
-                  <a:rPr lang="ru-RU" sz="1800" dirty="0" smtClean="0"/>
-                  <a:t>сезонности</a:t>
-                </a:r>
-                <a:endParaRPr lang="ru-RU" sz="1900" dirty="0">
-                  <a:ea typeface="Calibri" panose="020F0502020204030204" pitchFamily="34" charset="0"/>
-                  <a:cs typeface="Times New Roman" panose="02020603050405020304" pitchFamily="18" charset="0"/>
-                </a:endParaRPr>
-              </a:p>
-              <a:p>
-                <a:pPr marL="914400" lvl="1" indent="-457200">
-                  <a:buFont typeface="+mj-lt"/>
-                  <a:buAutoNum type="arabicPeriod"/>
-                </a:pPr>
-                <a:endParaRPr lang="ru-RU" sz="1900" dirty="0" smtClean="0">
-                  <a:ea typeface="Calibri" panose="020F0502020204030204" pitchFamily="34" charset="0"/>
-                  <a:cs typeface="Times New Roman" panose="02020603050405020304" pitchFamily="18" charset="0"/>
-                </a:endParaRPr>
-              </a:p>
-              <a:p>
-                <a:pPr marL="914400" lvl="1" indent="-457200">
-                  <a:buFont typeface="+mj-lt"/>
-                  <a:buAutoNum type="arabicPeriod"/>
-                </a:pPr>
-                <a:endParaRPr lang="ru-RU" sz="1900" dirty="0">
-                  <a:ea typeface="Calibri" panose="020F0502020204030204" pitchFamily="34" charset="0"/>
-                  <a:cs typeface="Times New Roman" panose="02020603050405020304" pitchFamily="18" charset="0"/>
-                </a:endParaRPr>
-              </a:p>
-            </p:txBody>
-          </p:sp>
-        </mc:Choice>
-        <mc:Fallback>
-          <p:sp>
-            <p:nvSpPr>
-              <p:cNvPr id="3" name="Объект 2">
-                <a:extLst>
-                  <a:ext uri="{FF2B5EF4-FFF2-40B4-BE49-F238E27FC236}">
-                    <a16:creationId xmlns:a16="http://schemas.microsoft.com/office/drawing/2014/main" id="{BE421393-E6D9-4C04-F323-217F01E33B93}"/>
-                  </a:ext>
-                </a:extLst>
-              </p:cNvPr>
-              <p:cNvSpPr>
-                <a:spLocks noGrp="1" noRot="1" noChangeAspect="1" noMove="1" noResize="1" noEditPoints="1" noAdjustHandles="1" noChangeArrowheads="1" noChangeShapeType="1" noTextEdit="1"/>
-              </p:cNvSpPr>
-              <p:nvPr>
-                <p:ph idx="1"/>
-              </p:nvPr>
-            </p:nvSpPr>
-            <p:spPr>
-              <a:xfrm>
-                <a:off x="506506" y="1129096"/>
-                <a:ext cx="10515600" cy="5135887"/>
-              </a:xfrm>
-              <a:blipFill>
-                <a:blip r:embed="rId3"/>
-                <a:stretch>
-                  <a:fillRect l="-754" t="-2017" b="-1898"/>
-                </a:stretch>
-              </a:blipFill>
-            </p:spPr>
-            <p:txBody>
-              <a:bodyPr/>
-              <a:lstStyle/>
-              <a:p>
-                <a:r>
-                  <a:rPr lang="ru-RU">
-                    <a:noFill/>
-                  </a:rPr>
-                  <a:t> </a:t>
-                </a:r>
-              </a:p>
-            </p:txBody>
-          </p:sp>
-        </mc:Fallback>
-      </mc:AlternateContent>
-    </p:spTree>
-    <p:extLst>
-      <p:ext uri="{BB962C8B-B14F-4D97-AF65-F5344CB8AC3E}">
-        <p14:creationId xmlns:p14="http://schemas.microsoft.com/office/powerpoint/2010/main" val="3701295561"/>
-      </p:ext>
-    </p:extLst>
-  </p:cSld>
-  <p:clrMapOvr>
-    <a:masterClrMapping/>
-  </p:clrMapOvr>
-  <p:timing>
-    <p:tnLst>
-      <p:par>
-        <p:cTn id="1" dur="indefinite" restart="never" nodeType="tmRoot"/>
-      </p:par>
-    </p:tnLst>
-  </p:timing>
-</p:sld>
-</file>
-
-<file path=ppt/slides/slide32.xml><?xml version="1.0" encoding="utf-8"?>
-<p:sld xmlns:a="http://schemas.openxmlformats.org/drawingml/2006/main" xmlns:r="http://schemas.openxmlformats.org/officeDocument/2006/relationships" xmlns:p="http://schemas.openxmlformats.org/presentationml/2006/main">
-  <p:cSld>
-    <p:spTree>
-      <p:nvGrpSpPr>
-        <p:cNvPr id="1" name=""/>
-        <p:cNvGrpSpPr/>
-        <p:nvPr/>
-      </p:nvGrpSpPr>
-      <p:grpSpPr>
-        <a:xfrm>
-          <a:off x="0" y="0"/>
-          <a:ext cx="0" cy="0"/>
-          <a:chOff x="0" y="0"/>
-          <a:chExt cx="0" cy="0"/>
-        </a:xfrm>
-      </p:grpSpPr>
-      <p:pic>
-        <p:nvPicPr>
-          <p:cNvPr id="1038" name="Picture 14" descr="S.A.R.I.M.A. Seasonal ARIMA Models with KNIME | KNIME"/>
-          <p:cNvPicPr>
-            <a:picLocks noChangeAspect="1" noChangeArrowheads="1"/>
-          </p:cNvPicPr>
-          <p:nvPr/>
-        </p:nvPicPr>
-        <p:blipFill>
-          <a:blip r:embed="rId3">
-            <a:extLst>
-              <a:ext uri="{28A0092B-C50C-407E-A947-70E740481C1C}">
-                <a14:useLocalDpi xmlns:a14="http://schemas.microsoft.com/office/drawing/2010/main" val="0"/>
-              </a:ext>
-            </a:extLst>
-          </a:blip>
-          <a:srcRect/>
-          <a:stretch>
-            <a:fillRect/>
-          </a:stretch>
-        </p:blipFill>
-        <p:spPr bwMode="auto">
-          <a:xfrm>
-            <a:off x="6400124" y="5190765"/>
-            <a:ext cx="3013075" cy="1667235"/>
-          </a:xfrm>
-          <a:prstGeom prst="rect">
-            <a:avLst/>
-          </a:prstGeom>
-          <a:noFill/>
-          <a:extLst>
-            <a:ext uri="{909E8E84-426E-40DD-AFC4-6F175D3DCCD1}">
-              <a14:hiddenFill xmlns:a14="http://schemas.microsoft.com/office/drawing/2010/main">
-                <a:solidFill>
-                  <a:srgbClr val="FFFFFF"/>
-                </a:solidFill>
-              </a14:hiddenFill>
-            </a:ext>
-          </a:extLst>
-        </p:spPr>
-      </p:pic>
-      <p:pic>
-        <p:nvPicPr>
-          <p:cNvPr id="1036" name="Picture 12" descr="Krónika megnyilatkozás pazarlóan sarima Duna megdönteni Consult"/>
-          <p:cNvPicPr>
-            <a:picLocks noChangeAspect="1" noChangeArrowheads="1"/>
-          </p:cNvPicPr>
-          <p:nvPr/>
-        </p:nvPicPr>
-        <p:blipFill>
-          <a:blip r:embed="rId4">
-            <a:extLst>
-              <a:ext uri="{28A0092B-C50C-407E-A947-70E740481C1C}">
-                <a14:useLocalDpi xmlns:a14="http://schemas.microsoft.com/office/drawing/2010/main" val="0"/>
-              </a:ext>
-            </a:extLst>
-          </a:blip>
-          <a:srcRect/>
-          <a:stretch>
-            <a:fillRect/>
-          </a:stretch>
-        </p:blipFill>
-        <p:spPr bwMode="auto">
-          <a:xfrm>
-            <a:off x="8999070" y="3560319"/>
-            <a:ext cx="2400300" cy="1905000"/>
-          </a:xfrm>
-          <a:prstGeom prst="rect">
-            <a:avLst/>
-          </a:prstGeom>
-          <a:noFill/>
-          <a:extLst>
-            <a:ext uri="{909E8E84-426E-40DD-AFC4-6F175D3DCCD1}">
-              <a14:hiddenFill xmlns:a14="http://schemas.microsoft.com/office/drawing/2010/main">
-                <a:solidFill>
-                  <a:srgbClr val="FFFFFF"/>
-                </a:solidFill>
-              </a14:hiddenFill>
-            </a:ext>
-          </a:extLst>
-        </p:spPr>
-      </p:pic>
-      <p:pic>
-        <p:nvPicPr>
-          <p:cNvPr id="1032" name="Picture 8" descr="How to model a time series through a SARIMA model | by Angelica Lo Duca |  Towards Data Science"/>
-          <p:cNvPicPr>
-            <a:picLocks noChangeAspect="1" noChangeArrowheads="1"/>
-          </p:cNvPicPr>
-          <p:nvPr/>
-        </p:nvPicPr>
-        <p:blipFill>
-          <a:blip r:embed="rId5">
-            <a:extLst>
-              <a:ext uri="{28A0092B-C50C-407E-A947-70E740481C1C}">
-                <a14:useLocalDpi xmlns:a14="http://schemas.microsoft.com/office/drawing/2010/main" val="0"/>
-              </a:ext>
-            </a:extLst>
-          </a:blip>
-          <a:srcRect/>
-          <a:stretch>
-            <a:fillRect/>
-          </a:stretch>
-        </p:blipFill>
-        <p:spPr bwMode="auto">
-          <a:xfrm>
-            <a:off x="6278207" y="3447689"/>
-            <a:ext cx="2619375" cy="1743076"/>
-          </a:xfrm>
-          <a:prstGeom prst="rect">
-            <a:avLst/>
-          </a:prstGeom>
-          <a:noFill/>
-          <a:extLst>
-            <a:ext uri="{909E8E84-426E-40DD-AFC4-6F175D3DCCD1}">
-              <a14:hiddenFill xmlns:a14="http://schemas.microsoft.com/office/drawing/2010/main">
-                <a:solidFill>
-                  <a:srgbClr val="FFFFFF"/>
-                </a:solidFill>
-              </a14:hiddenFill>
-            </a:ext>
-          </a:extLst>
-        </p:spPr>
-      </p:pic>
-      <p:pic>
-        <p:nvPicPr>
-          <p:cNvPr id="1028" name="Picture 4" descr="Forecasting time series using ARMA-GARCH in R - Cross Validated"/>
-          <p:cNvPicPr>
-            <a:picLocks noChangeAspect="1" noChangeArrowheads="1"/>
-          </p:cNvPicPr>
-          <p:nvPr/>
-        </p:nvPicPr>
-        <p:blipFill>
-          <a:blip r:embed="rId6" cstate="hqprint">
-            <a:extLst>
-              <a:ext uri="{28A0092B-C50C-407E-A947-70E740481C1C}">
-                <a14:useLocalDpi xmlns:a14="http://schemas.microsoft.com/office/drawing/2010/main" val="0"/>
-              </a:ext>
-            </a:extLst>
-          </a:blip>
-          <a:srcRect/>
-          <a:stretch>
-            <a:fillRect/>
-          </a:stretch>
-        </p:blipFill>
-        <p:spPr bwMode="auto">
-          <a:xfrm>
-            <a:off x="3717367" y="4410154"/>
-            <a:ext cx="2531473" cy="1668357"/>
-          </a:xfrm>
-          <a:prstGeom prst="rect">
-            <a:avLst/>
-          </a:prstGeom>
-          <a:noFill/>
-          <a:extLst>
-            <a:ext uri="{909E8E84-426E-40DD-AFC4-6F175D3DCCD1}">
-              <a14:hiddenFill xmlns:a14="http://schemas.microsoft.com/office/drawing/2010/main">
-                <a:solidFill>
-                  <a:srgbClr val="FFFFFF"/>
-                </a:solidFill>
-              </a14:hiddenFill>
-            </a:ext>
-          </a:extLst>
-        </p:spPr>
-      </p:pic>
-      <p:pic>
-        <p:nvPicPr>
-          <p:cNvPr id="4" name="Picture 2" descr="Forecasting time series using ARMA-GARCH in R - Cross Validated"/>
-          <p:cNvPicPr>
-            <a:picLocks noChangeAspect="1" noChangeArrowheads="1"/>
-          </p:cNvPicPr>
-          <p:nvPr/>
-        </p:nvPicPr>
-        <p:blipFill>
-          <a:blip r:embed="rId7">
-            <a:extLst>
-              <a:ext uri="{28A0092B-C50C-407E-A947-70E740481C1C}">
-                <a14:useLocalDpi xmlns:a14="http://schemas.microsoft.com/office/drawing/2010/main" val="0"/>
-              </a:ext>
-            </a:extLst>
-          </a:blip>
-          <a:srcRect/>
-          <a:stretch>
-            <a:fillRect/>
-          </a:stretch>
-        </p:blipFill>
-        <p:spPr bwMode="auto">
-          <a:xfrm>
-            <a:off x="254698" y="4112982"/>
-            <a:ext cx="3433302" cy="2262703"/>
-          </a:xfrm>
-          <a:prstGeom prst="rect">
-            <a:avLst/>
-          </a:prstGeom>
-          <a:noFill/>
-          <a:extLst>
-            <a:ext uri="{909E8E84-426E-40DD-AFC4-6F175D3DCCD1}">
-              <a14:hiddenFill xmlns:a14="http://schemas.microsoft.com/office/drawing/2010/main">
-                <a:solidFill>
-                  <a:srgbClr val="FFFFFF"/>
-                </a:solidFill>
-              </a14:hiddenFill>
-            </a:ext>
-          </a:extLst>
-        </p:spPr>
-      </p:pic>
-      <p:sp>
-        <p:nvSpPr>
-          <p:cNvPr id="2" name="Заголовок 1">
-            <a:extLst>
-              <a:ext uri="{FF2B5EF4-FFF2-40B4-BE49-F238E27FC236}">
-                <a16:creationId xmlns:a16="http://schemas.microsoft.com/office/drawing/2014/main" id="{E5E18C16-493F-C0F6-1226-B953C44BB2B9}"/>
-              </a:ext>
-            </a:extLst>
-          </p:cNvPr>
-          <p:cNvSpPr>
-            <a:spLocks noGrp="1"/>
-          </p:cNvSpPr>
-          <p:nvPr>
-            <p:ph type="title"/>
-          </p:nvPr>
-        </p:nvSpPr>
-        <p:spPr>
-          <a:xfrm>
-            <a:off x="398929" y="0"/>
-            <a:ext cx="10515600" cy="1325563"/>
-          </a:xfrm>
-        </p:spPr>
-        <p:txBody>
-          <a:bodyPr>
-            <a:normAutofit/>
-          </a:bodyPr>
-          <a:lstStyle/>
-          <a:p>
-            <a:r>
-              <a:rPr lang="ru-RU" sz="4800" b="1" dirty="0"/>
-              <a:t>Вопросы Продвинутые </a:t>
-            </a:r>
-            <a:r>
-              <a:rPr lang="en-US" sz="4800" b="1" dirty="0"/>
-              <a:t>(X)-</a:t>
-            </a:r>
-            <a:r>
-              <a:rPr lang="ru-RU" sz="4800" b="1" dirty="0"/>
-              <a:t>верно</a:t>
-            </a:r>
-          </a:p>
-        </p:txBody>
-      </p:sp>
-      <p:sp>
-        <p:nvSpPr>
-          <p:cNvPr id="3" name="Объект 2">
-            <a:extLst>
-              <a:ext uri="{FF2B5EF4-FFF2-40B4-BE49-F238E27FC236}">
-                <a16:creationId xmlns:a16="http://schemas.microsoft.com/office/drawing/2014/main" id="{BE421393-E6D9-4C04-F323-217F01E33B93}"/>
-              </a:ext>
-            </a:extLst>
-          </p:cNvPr>
-          <p:cNvSpPr>
-            <a:spLocks noGrp="1"/>
-          </p:cNvSpPr>
-          <p:nvPr>
-            <p:ph idx="1"/>
-          </p:nvPr>
-        </p:nvSpPr>
-        <p:spPr>
-          <a:xfrm>
-            <a:off x="398928" y="1075308"/>
-            <a:ext cx="11282083" cy="4379287"/>
-          </a:xfrm>
-        </p:spPr>
-        <p:txBody>
-          <a:bodyPr>
-            <a:normAutofit/>
-          </a:bodyPr>
-          <a:lstStyle/>
-          <a:p>
-            <a:r>
-              <a:rPr lang="ru-RU" sz="2400" b="1" dirty="0"/>
-              <a:t>Выберете причину использования </a:t>
-            </a:r>
-            <a:r>
-              <a:rPr lang="en-US" sz="2400" b="1" dirty="0"/>
-              <a:t>AR</a:t>
-            </a:r>
-            <a:r>
-              <a:rPr lang="ru-RU" sz="2400" b="1" dirty="0"/>
-              <a:t>-</a:t>
-            </a:r>
-            <a:r>
-              <a:rPr lang="en-US" sz="2400" b="1" dirty="0"/>
-              <a:t>NET </a:t>
-            </a:r>
-            <a:r>
-              <a:rPr lang="ru-RU" sz="2400" b="1" dirty="0"/>
-              <a:t>моделей</a:t>
-            </a:r>
-          </a:p>
-          <a:p>
-            <a:pPr marL="914400" lvl="1" indent="-457200">
-              <a:buFont typeface="+mj-lt"/>
-              <a:buAutoNum type="arabicPeriod"/>
-            </a:pPr>
-            <a:r>
-              <a:rPr lang="ru-RU" sz="1900" dirty="0">
-                <a:ea typeface="Calibri" panose="020F0502020204030204" pitchFamily="34" charset="0"/>
-                <a:cs typeface="Times New Roman" panose="02020603050405020304" pitchFamily="18" charset="0"/>
-              </a:rPr>
-              <a:t>Использование регуляризации </a:t>
-            </a:r>
-            <a:r>
-              <a:rPr lang="ru-RU" sz="1900" dirty="0" smtClean="0">
-                <a:ea typeface="Calibri" panose="020F0502020204030204" pitchFamily="34" charset="0"/>
-                <a:cs typeface="Times New Roman" panose="02020603050405020304" pitchFamily="18" charset="0"/>
-              </a:rPr>
-              <a:t>(х)</a:t>
-            </a:r>
-          </a:p>
-          <a:p>
-            <a:pPr marL="914400" lvl="1" indent="-457200">
-              <a:buFont typeface="+mj-lt"/>
-              <a:buAutoNum type="arabicPeriod"/>
-            </a:pPr>
-            <a:r>
-              <a:rPr lang="ru-RU" sz="1900" dirty="0" smtClean="0">
-                <a:ea typeface="Calibri" panose="020F0502020204030204" pitchFamily="34" charset="0"/>
-                <a:cs typeface="Times New Roman" panose="02020603050405020304" pitchFamily="18" charset="0"/>
-              </a:rPr>
-              <a:t>повышение </a:t>
-            </a:r>
-            <a:r>
-              <a:rPr lang="ru-RU" sz="1900" dirty="0">
-                <a:ea typeface="Calibri" panose="020F0502020204030204" pitchFamily="34" charset="0"/>
-                <a:cs typeface="Times New Roman" panose="02020603050405020304" pitchFamily="18" charset="0"/>
-              </a:rPr>
-              <a:t>устойчивости при выборе порядка </a:t>
-            </a:r>
-            <a:r>
-              <a:rPr lang="ru-RU" sz="1900" dirty="0" smtClean="0">
-                <a:ea typeface="Calibri" panose="020F0502020204030204" pitchFamily="34" charset="0"/>
-                <a:cs typeface="Times New Roman" panose="02020603050405020304" pitchFamily="18" charset="0"/>
-              </a:rPr>
-              <a:t>модели (х)</a:t>
-            </a:r>
-          </a:p>
-          <a:p>
-            <a:pPr marL="914400" lvl="1" indent="-457200">
-              <a:buFont typeface="+mj-lt"/>
-              <a:buAutoNum type="arabicPeriod"/>
-            </a:pPr>
-            <a:r>
-              <a:rPr lang="ru-RU" sz="1900" dirty="0" smtClean="0">
-                <a:ea typeface="Calibri" panose="020F0502020204030204" pitchFamily="34" charset="0"/>
-                <a:cs typeface="Times New Roman" panose="02020603050405020304" pitchFamily="18" charset="0"/>
-              </a:rPr>
-              <a:t>Необходимость компенсации тренда во ВР</a:t>
-            </a:r>
-          </a:p>
-          <a:p>
-            <a:pPr marL="914400" lvl="1" indent="-457200">
-              <a:buFont typeface="+mj-lt"/>
-              <a:buAutoNum type="arabicPeriod"/>
-            </a:pPr>
-            <a:r>
-              <a:rPr lang="ru-RU" sz="1900" dirty="0" smtClean="0">
-                <a:ea typeface="Calibri" panose="020F0502020204030204" pitchFamily="34" charset="0"/>
-                <a:cs typeface="Times New Roman" panose="02020603050405020304" pitchFamily="18" charset="0"/>
-              </a:rPr>
-              <a:t>Наличие ярко выраженной сезонности во ВР</a:t>
-            </a:r>
-          </a:p>
-          <a:p>
-            <a:pPr marL="914400" lvl="1" indent="-457200">
-              <a:buFont typeface="+mj-lt"/>
-              <a:buAutoNum type="arabicPeriod"/>
-            </a:pPr>
-            <a:r>
-              <a:rPr lang="ru-RU" sz="1900" dirty="0" smtClean="0">
-                <a:ea typeface="Calibri" panose="020F0502020204030204" pitchFamily="34" charset="0"/>
-                <a:cs typeface="Times New Roman" panose="02020603050405020304" pitchFamily="18" charset="0"/>
-              </a:rPr>
-              <a:t>Комбинирование отдельной модели для сезонности и для тренда</a:t>
-            </a:r>
-            <a:endParaRPr lang="ru-RU" sz="1900" dirty="0">
-              <a:ea typeface="Calibri" panose="020F0502020204030204" pitchFamily="34" charset="0"/>
-              <a:cs typeface="Times New Roman" panose="02020603050405020304" pitchFamily="18" charset="0"/>
-            </a:endParaRPr>
-          </a:p>
-          <a:p>
-            <a:r>
-              <a:rPr lang="ru-RU" sz="2300" b="1" dirty="0" smtClean="0">
-                <a:ea typeface="Calibri" panose="020F0502020204030204" pitchFamily="34" charset="0"/>
-                <a:cs typeface="Times New Roman" panose="02020603050405020304" pitchFamily="18" charset="0"/>
-              </a:rPr>
-              <a:t>Выберите</a:t>
-            </a:r>
-            <a:r>
-              <a:rPr lang="en-US" sz="2300" b="1" dirty="0" smtClean="0">
-                <a:ea typeface="Calibri" panose="020F0502020204030204" pitchFamily="34" charset="0"/>
-                <a:cs typeface="Times New Roman" panose="02020603050405020304" pitchFamily="18" charset="0"/>
-              </a:rPr>
-              <a:t> </a:t>
-            </a:r>
-            <a:r>
-              <a:rPr lang="ru-RU" sz="2300" b="1" dirty="0" smtClean="0">
-                <a:ea typeface="Calibri" panose="020F0502020204030204" pitchFamily="34" charset="0"/>
-                <a:cs typeface="Times New Roman" panose="02020603050405020304" pitchFamily="18" charset="0"/>
-              </a:rPr>
-              <a:t>ВР для которых вероятно следовало бы использовать </a:t>
-            </a:r>
-            <a:r>
-              <a:rPr lang="en-US" sz="2300" b="1" dirty="0" smtClean="0">
-                <a:ea typeface="Calibri" panose="020F0502020204030204" pitchFamily="34" charset="0"/>
-                <a:cs typeface="Times New Roman" panose="02020603050405020304" pitchFamily="18" charset="0"/>
-              </a:rPr>
-              <a:t>GA</a:t>
-            </a:r>
-            <a:r>
-              <a:rPr lang="en-US" sz="2300" b="1" dirty="0">
-                <a:ea typeface="Calibri" panose="020F0502020204030204" pitchFamily="34" charset="0"/>
-                <a:cs typeface="Times New Roman" panose="02020603050405020304" pitchFamily="18" charset="0"/>
-              </a:rPr>
-              <a:t>R</a:t>
-            </a:r>
-            <a:r>
-              <a:rPr lang="en-US" sz="2300" b="1" dirty="0" smtClean="0">
-                <a:ea typeface="Calibri" panose="020F0502020204030204" pitchFamily="34" charset="0"/>
-                <a:cs typeface="Times New Roman" panose="02020603050405020304" pitchFamily="18" charset="0"/>
-              </a:rPr>
-              <a:t>CH </a:t>
-            </a:r>
-            <a:r>
-              <a:rPr lang="ru-RU" sz="2300" b="1" dirty="0" smtClean="0">
-                <a:ea typeface="Calibri" panose="020F0502020204030204" pitchFamily="34" charset="0"/>
-                <a:cs typeface="Times New Roman" panose="02020603050405020304" pitchFamily="18" charset="0"/>
-              </a:rPr>
-              <a:t>модели</a:t>
-            </a:r>
-            <a:endParaRPr lang="ru-RU" sz="2000" dirty="0">
-              <a:cs typeface="Times New Roman" panose="02020603050405020304" pitchFamily="18" charset="0"/>
-            </a:endParaRPr>
-          </a:p>
-          <a:p>
-            <a:pPr marL="914400" lvl="1" indent="-457200">
-              <a:buFont typeface="+mj-lt"/>
-              <a:buAutoNum type="arabicPeriod"/>
-            </a:pPr>
-            <a:endParaRPr lang="ru-RU" sz="1900" dirty="0">
-              <a:ea typeface="Calibri" panose="020F0502020204030204" pitchFamily="34" charset="0"/>
-              <a:cs typeface="Times New Roman" panose="02020603050405020304" pitchFamily="18" charset="0"/>
-            </a:endParaRPr>
-          </a:p>
-          <a:p>
-            <a:pPr marL="914400" lvl="1" indent="-457200">
-              <a:buFont typeface="+mj-lt"/>
-              <a:buAutoNum type="arabicPeriod"/>
-            </a:pPr>
-            <a:endParaRPr lang="ru-RU" sz="1900" dirty="0">
-              <a:ea typeface="Calibri" panose="020F0502020204030204" pitchFamily="34" charset="0"/>
-              <a:cs typeface="Times New Roman" panose="02020603050405020304" pitchFamily="18" charset="0"/>
-            </a:endParaRPr>
-          </a:p>
-          <a:p>
-            <a:pPr marL="457200" lvl="1" indent="0">
-              <a:buNone/>
-            </a:pPr>
-            <a:endParaRPr lang="ru-RU" sz="1900" b="1" dirty="0">
-              <a:ea typeface="Calibri" panose="020F0502020204030204" pitchFamily="34" charset="0"/>
-              <a:cs typeface="Times New Roman" panose="02020603050405020304" pitchFamily="18" charset="0"/>
-            </a:endParaRPr>
-          </a:p>
-        </p:txBody>
-      </p:sp>
-      <p:sp>
-        <p:nvSpPr>
-          <p:cNvPr id="9" name="TextBox 8"/>
-          <p:cNvSpPr txBox="1"/>
-          <p:nvPr/>
-        </p:nvSpPr>
-        <p:spPr>
-          <a:xfrm>
-            <a:off x="1308847" y="6006353"/>
-            <a:ext cx="542136" cy="369332"/>
-          </a:xfrm>
-          <a:prstGeom prst="rect">
-            <a:avLst/>
-          </a:prstGeom>
-          <a:noFill/>
-        </p:spPr>
-        <p:txBody>
-          <a:bodyPr wrap="none" rtlCol="0">
-            <a:spAutoFit/>
-          </a:bodyPr>
-          <a:lstStyle/>
-          <a:p>
-            <a:r>
-              <a:rPr lang="ru-RU" dirty="0"/>
-              <a:t>1(х)</a:t>
-            </a:r>
-          </a:p>
-        </p:txBody>
-      </p:sp>
-      <p:sp>
-        <p:nvSpPr>
-          <p:cNvPr id="10" name="TextBox 9"/>
-          <p:cNvSpPr txBox="1"/>
-          <p:nvPr/>
-        </p:nvSpPr>
-        <p:spPr>
-          <a:xfrm>
-            <a:off x="4772994" y="5931358"/>
-            <a:ext cx="542136" cy="369332"/>
-          </a:xfrm>
-          <a:prstGeom prst="rect">
-            <a:avLst/>
-          </a:prstGeom>
-          <a:noFill/>
-        </p:spPr>
-        <p:txBody>
-          <a:bodyPr wrap="none" rtlCol="0">
-            <a:spAutoFit/>
-          </a:bodyPr>
-          <a:lstStyle/>
-          <a:p>
-            <a:r>
-              <a:rPr lang="ru-RU" dirty="0"/>
-              <a:t>2(х)</a:t>
-            </a:r>
-          </a:p>
-        </p:txBody>
-      </p:sp>
-      <p:sp>
-        <p:nvSpPr>
-          <p:cNvPr id="13" name="TextBox 12"/>
-          <p:cNvSpPr txBox="1"/>
-          <p:nvPr/>
-        </p:nvSpPr>
-        <p:spPr>
-          <a:xfrm>
-            <a:off x="10590739" y="5173612"/>
-            <a:ext cx="301686" cy="369332"/>
-          </a:xfrm>
-          <a:prstGeom prst="rect">
-            <a:avLst/>
-          </a:prstGeom>
-          <a:noFill/>
-        </p:spPr>
-        <p:txBody>
-          <a:bodyPr wrap="none" rtlCol="0">
-            <a:spAutoFit/>
-          </a:bodyPr>
-          <a:lstStyle/>
-          <a:p>
-            <a:r>
-              <a:rPr lang="ru-RU" dirty="0"/>
-              <a:t>5</a:t>
-            </a:r>
-          </a:p>
-        </p:txBody>
-      </p:sp>
-      <p:sp>
-        <p:nvSpPr>
-          <p:cNvPr id="11" name="TextBox 10"/>
-          <p:cNvSpPr txBox="1"/>
-          <p:nvPr/>
-        </p:nvSpPr>
-        <p:spPr>
-          <a:xfrm>
-            <a:off x="6675337" y="4821433"/>
-            <a:ext cx="301686" cy="369332"/>
-          </a:xfrm>
-          <a:prstGeom prst="rect">
-            <a:avLst/>
-          </a:prstGeom>
-          <a:noFill/>
-        </p:spPr>
-        <p:txBody>
-          <a:bodyPr wrap="none" rtlCol="0">
-            <a:spAutoFit/>
-          </a:bodyPr>
-          <a:lstStyle/>
-          <a:p>
-            <a:r>
-              <a:rPr lang="ru-RU" dirty="0"/>
-              <a:t>3</a:t>
-            </a:r>
-          </a:p>
-        </p:txBody>
-      </p:sp>
-      <p:sp>
-        <p:nvSpPr>
-          <p:cNvPr id="12" name="TextBox 11"/>
-          <p:cNvSpPr txBox="1"/>
-          <p:nvPr/>
-        </p:nvSpPr>
-        <p:spPr>
-          <a:xfrm>
-            <a:off x="6610234" y="5280653"/>
-            <a:ext cx="301686" cy="369332"/>
-          </a:xfrm>
-          <a:prstGeom prst="rect">
-            <a:avLst/>
-          </a:prstGeom>
-          <a:noFill/>
-        </p:spPr>
-        <p:txBody>
-          <a:bodyPr wrap="none" rtlCol="0">
-            <a:spAutoFit/>
-          </a:bodyPr>
-          <a:lstStyle/>
-          <a:p>
-            <a:r>
-              <a:rPr lang="ru-RU" dirty="0"/>
-              <a:t>4</a:t>
-            </a:r>
-          </a:p>
-        </p:txBody>
-      </p:sp>
-    </p:spTree>
-    <p:extLst>
-      <p:ext uri="{BB962C8B-B14F-4D97-AF65-F5344CB8AC3E}">
-        <p14:creationId xmlns:p14="http://schemas.microsoft.com/office/powerpoint/2010/main" val="2025421884"/>
       </p:ext>
     </p:extLst>
   </p:cSld>
@@ -10409,6 +9142,13 @@
   <p:clrMapOvr>
     <a:masterClrMapping/>
   </p:clrMapOvr>
+  <p:timing>
+    <p:tnLst>
+      <p:par>
+        <p:cTn id="1" dur="indefinite" restart="never" nodeType="tmRoot"/>
+      </p:par>
+    </p:tnLst>
+  </p:timing>
 </p:sld>
 </file>
 
@@ -10590,6 +9330,13 @@
   <p:clrMapOvr>
     <a:masterClrMapping/>
   </p:clrMapOvr>
+  <p:timing>
+    <p:tnLst>
+      <p:par>
+        <p:cTn id="1" dur="indefinite" restart="never" nodeType="tmRoot"/>
+      </p:par>
+    </p:tnLst>
+  </p:timing>
 </p:sld>
 </file>
 
@@ -10768,6 +9515,13 @@
   <p:clrMapOvr>
     <a:masterClrMapping/>
   </p:clrMapOvr>
+  <p:timing>
+    <p:tnLst>
+      <p:par>
+        <p:cTn id="1" dur="indefinite" restart="never" nodeType="tmRoot"/>
+      </p:par>
+    </p:tnLst>
+  </p:timing>
 </p:sld>
 </file>
 
